--- a/powerpoint/Session2.pptx
+++ b/powerpoint/Session2.pptx
@@ -341,6 +341,53 @@
           <pc:docMk/>
           <pc:sldMk cId="71576005" sldId="335"/>
         </pc:sldMkLst>
+      </pc:sldChg>
+    </pc:docChg>
+  </pc:docChgLst>
+  <pc:docChgLst>
+    <pc:chgData name="Srinivasa Rao" userId="a6b54366-f13d-4292-8bb4-f06c50909b1e" providerId="ADAL" clId="{B3716CF2-0AC1-444F-B920-1AD18E82A335}"/>
+    <pc:docChg chg="undo custSel modSld">
+      <pc:chgData name="Srinivasa Rao" userId="a6b54366-f13d-4292-8bb4-f06c50909b1e" providerId="ADAL" clId="{B3716CF2-0AC1-444F-B920-1AD18E82A335}" dt="2024-11-11T11:22:59.167" v="3"/>
+      <pc:docMkLst>
+        <pc:docMk/>
+      </pc:docMkLst>
+      <pc:sldChg chg="addSp delSp modSp mod">
+        <pc:chgData name="Srinivasa Rao" userId="a6b54366-f13d-4292-8bb4-f06c50909b1e" providerId="ADAL" clId="{B3716CF2-0AC1-444F-B920-1AD18E82A335}" dt="2024-11-11T11:22:59.167" v="3"/>
+        <pc:sldMkLst>
+          <pc:docMk/>
+          <pc:sldMk cId="0" sldId="256"/>
+        </pc:sldMkLst>
+        <pc:spChg chg="add del">
+          <ac:chgData name="Srinivasa Rao" userId="a6b54366-f13d-4292-8bb4-f06c50909b1e" providerId="ADAL" clId="{B3716CF2-0AC1-444F-B920-1AD18E82A335}" dt="2024-11-11T11:22:56.539" v="2" actId="22"/>
+          <ac:spMkLst>
+            <pc:docMk/>
+            <pc:sldMk cId="0" sldId="256"/>
+            <ac:spMk id="3" creationId="{48DCA00D-368E-4B73-22FF-D2E17E59217D}"/>
+          </ac:spMkLst>
+        </pc:spChg>
+        <pc:spChg chg="mod">
+          <ac:chgData name="Srinivasa Rao" userId="a6b54366-f13d-4292-8bb4-f06c50909b1e" providerId="ADAL" clId="{B3716CF2-0AC1-444F-B920-1AD18E82A335}" dt="2024-11-11T11:22:59.167" v="3"/>
+          <ac:spMkLst>
+            <pc:docMk/>
+            <pc:sldMk cId="0" sldId="256"/>
+            <ac:spMk id="229" creationId="{00000000-0000-0000-0000-000000000000}"/>
+          </ac:spMkLst>
+        </pc:spChg>
+      </pc:sldChg>
+      <pc:sldChg chg="modSp mod">
+        <pc:chgData name="Srinivasa Rao" userId="a6b54366-f13d-4292-8bb4-f06c50909b1e" providerId="ADAL" clId="{B3716CF2-0AC1-444F-B920-1AD18E82A335}" dt="2024-11-11T11:22:50.908" v="0"/>
+        <pc:sldMkLst>
+          <pc:docMk/>
+          <pc:sldMk cId="0" sldId="276"/>
+        </pc:sldMkLst>
+        <pc:spChg chg="mod">
+          <ac:chgData name="Srinivasa Rao" userId="a6b54366-f13d-4292-8bb4-f06c50909b1e" providerId="ADAL" clId="{B3716CF2-0AC1-444F-B920-1AD18E82A335}" dt="2024-11-11T11:22:50.908" v="0"/>
+          <ac:spMkLst>
+            <pc:docMk/>
+            <pc:sldMk cId="0" sldId="276"/>
+            <ac:spMk id="229" creationId="{00000000-0000-0000-0000-000000000000}"/>
+          </ac:spMkLst>
+        </pc:spChg>
       </pc:sldChg>
     </pc:docChg>
   </pc:docChgLst>
@@ -1079,7 +1126,7 @@
           <a:p>
             <a:fld id="{76288271-110E-284E-BDF5-E46245F1FF69}" type="datetimeFigureOut">
               <a:rPr lang="en-US" smtClean="0"/>
-              <a:t>6/10/24</a:t>
+              <a:t>11/11/24</a:t>
             </a:fld>
             <a:endParaRPr lang="en-US"/>
           </a:p>
@@ -5420,7 +5467,7 @@
           <a:p>
             <a:fld id="{AF87509E-A8CC-7D4A-9558-F93678A4FBA3}" type="datetimeFigureOut">
               <a:rPr lang="en-US" smtClean="0"/>
-              <a:t>6/10/24</a:t>
+              <a:t>11/11/24</a:t>
             </a:fld>
             <a:endParaRPr lang="en-US"/>
           </a:p>
@@ -13760,7 +13807,7 @@
                 <a:latin typeface="Calibri"/>
                 <a:ea typeface="DejaVu Sans"/>
               </a:rPr>
-              <a:t>Trinity 2024</a:t>
+              <a:t>Michaelmas 2024</a:t>
             </a:r>
             <a:endParaRPr lang="en-GB" sz="3200" b="0" strike="noStrike" spc="-1" dirty="0">
               <a:latin typeface="Arial"/>
@@ -19759,17 +19806,7 @@
                 <a:latin typeface="Calibri"/>
                 <a:ea typeface="DejaVu Sans"/>
               </a:rPr>
-              <a:t>Trinity </a:t>
-            </a:r>
-            <a:r>
-              <a:rPr lang="en-US" sz="3200" b="0" strike="noStrike" spc="-1" dirty="0">
-                <a:solidFill>
-                  <a:srgbClr val="8B8B8B"/>
-                </a:solidFill>
-                <a:latin typeface="Calibri"/>
-                <a:ea typeface="DejaVu Sans"/>
-              </a:rPr>
-              <a:t>2024</a:t>
+              <a:t>Michaelmas 2024</a:t>
             </a:r>
             <a:endParaRPr lang="en-GB" sz="3200" b="0" strike="noStrike" spc="-1" dirty="0">
               <a:latin typeface="Arial"/>
